--- a/presentation.pptx
+++ b/presentation.pptx
@@ -169,7 +169,7 @@
         <p:txBody>
           <a:bodyPr/>
           <a:p>
-            <a:fld id="{8117500A-5C99-4993-A125-D4009B0800E4}" type="slidenum">
+            <a:fld id="{1359B832-994D-4CDD-AC8F-FE82F191B3A4}" type="slidenum">
               <a:t>&lt;#&gt;</a:t>
             </a:fld>
           </a:p>
@@ -335,7 +335,7 @@
         <p:txBody>
           <a:bodyPr/>
           <a:p>
-            <a:fld id="{D0412140-E6D6-45F0-8BF6-DC8B9389A5E5}" type="slidenum">
+            <a:fld id="{53E4D9E8-1745-4B81-9CF0-14B70E44D192}" type="slidenum">
               <a:t>&lt;#&gt;</a:t>
             </a:fld>
           </a:p>
@@ -501,7 +501,7 @@
         <p:txBody>
           <a:bodyPr/>
           <a:p>
-            <a:fld id="{FEB2D0B4-1C3C-43DC-8D1B-B2EC1AA92750}" type="slidenum">
+            <a:fld id="{FEF10537-3DC1-46C1-8EB2-7845B1FAC0AA}" type="slidenum">
               <a:t>&lt;#&gt;</a:t>
             </a:fld>
           </a:p>
@@ -667,7 +667,7 @@
         <p:txBody>
           <a:bodyPr/>
           <a:p>
-            <a:fld id="{01E75B9F-883E-40BD-AD85-5930B779B542}" type="slidenum">
+            <a:fld id="{C43E3BBD-9AA6-4CC5-A861-9ED2301C0324}" type="slidenum">
               <a:t>&lt;#&gt;</a:t>
             </a:fld>
           </a:p>
@@ -833,7 +833,7 @@
         <p:txBody>
           <a:bodyPr/>
           <a:p>
-            <a:fld id="{2FC2270C-FEAC-474E-8344-4ED204ED99CC}" type="slidenum">
+            <a:fld id="{B8E6205D-9AF8-45B5-B812-3D6AB30BC85B}" type="slidenum">
               <a:t>&lt;#&gt;</a:t>
             </a:fld>
           </a:p>
@@ -999,7 +999,7 @@
         <p:txBody>
           <a:bodyPr/>
           <a:p>
-            <a:fld id="{187A8132-F854-47DE-A7D0-D911EBFC038E}" type="slidenum">
+            <a:fld id="{9D31CB3B-796A-40B1-8260-DEDE4B50FF25}" type="slidenum">
               <a:t>&lt;#&gt;</a:t>
             </a:fld>
           </a:p>
@@ -1165,7 +1165,7 @@
         <p:txBody>
           <a:bodyPr/>
           <a:p>
-            <a:fld id="{3EB02762-3DB0-46B1-AC7E-D3B71D5292C0}" type="slidenum">
+            <a:fld id="{27864E08-8BF4-4FE8-A06F-36851452271C}" type="slidenum">
               <a:t>&lt;#&gt;</a:t>
             </a:fld>
           </a:p>
@@ -1331,7 +1331,7 @@
         <p:txBody>
           <a:bodyPr/>
           <a:p>
-            <a:fld id="{A6A369C7-76EC-4485-B6C1-C0B426DA255C}" type="slidenum">
+            <a:fld id="{03D13C6C-3562-4FC3-9B1D-A040FCEE2FFE}" type="slidenum">
               <a:t>&lt;#&gt;</a:t>
             </a:fld>
           </a:p>
@@ -1497,7 +1497,7 @@
         <p:txBody>
           <a:bodyPr/>
           <a:p>
-            <a:fld id="{0B23A331-4863-4BD6-9FA6-7BEB0721B044}" type="slidenum">
+            <a:fld id="{68213966-61E8-45D8-92D9-F57671637318}" type="slidenum">
               <a:t>&lt;#&gt;</a:t>
             </a:fld>
           </a:p>
@@ -1591,7 +1591,7 @@
                 </a:solidFill>
                 <a:latin typeface="Arial"/>
               </a:rPr>
-              <a:t>Click to edit </a:t>
+              <a:t>Click </a:t>
             </a:r>
             <a:r>
               <a:rPr b="0" lang="en-US" sz="4400" spc="-1" strike="noStrike">
@@ -1600,7 +1600,34 @@
                 </a:solidFill>
                 <a:latin typeface="Arial"/>
               </a:rPr>
-              <a:t>the title text </a:t>
+              <a:t>to edit </a:t>
+            </a:r>
+            <a:r>
+              <a:rPr b="0" lang="en-US" sz="4400" spc="-1" strike="noStrike">
+                <a:solidFill>
+                  <a:srgbClr val="000000"/>
+                </a:solidFill>
+                <a:latin typeface="Arial"/>
+              </a:rPr>
+              <a:t>the </a:t>
+            </a:r>
+            <a:r>
+              <a:rPr b="0" lang="en-US" sz="4400" spc="-1" strike="noStrike">
+                <a:solidFill>
+                  <a:srgbClr val="000000"/>
+                </a:solidFill>
+                <a:latin typeface="Arial"/>
+              </a:rPr>
+              <a:t>title </a:t>
+            </a:r>
+            <a:r>
+              <a:rPr b="0" lang="en-US" sz="4400" spc="-1" strike="noStrike">
+                <a:solidFill>
+                  <a:srgbClr val="000000"/>
+                </a:solidFill>
+                <a:latin typeface="Arial"/>
+              </a:rPr>
+              <a:t>text </a:t>
             </a:r>
             <a:r>
               <a:rPr b="0" lang="en-US" sz="4400" spc="-1" strike="noStrike">
@@ -2007,7 +2034,7 @@
             <a:pPr indent="0" algn="r">
               <a:buNone/>
             </a:pPr>
-            <a:fld id="{895E7B86-EB0E-446E-A97C-CAF56BA3D0B6}" type="slidenum">
+            <a:fld id="{EC26819D-899E-47EA-99A4-961B83862D2F}" type="slidenum">
               <a:rPr b="0" lang="en-US" sz="1400" spc="-1" strike="noStrike">
                 <a:solidFill>
                   <a:srgbClr val="000000"/>
@@ -7106,7 +7133,7 @@
             <a:pPr indent="0" algn="r">
               <a:buNone/>
             </a:pPr>
-            <a:fld id="{8FEF3C43-802D-456A-807C-0025BCAA9E45}" type="slidenum">
+            <a:fld id="{7C0CFBE6-02D5-4EDF-BFF3-F84A805DFD68}" type="slidenum">
               <a:rPr b="0" lang="en-US" sz="1400" spc="-1" strike="noStrike">
                 <a:solidFill>
                   <a:srgbClr val="000000"/>
@@ -13029,7 +13056,7 @@
             <a:pPr indent="0" algn="r">
               <a:buNone/>
             </a:pPr>
-            <a:fld id="{9EEE724D-A693-4194-85C9-7AFD50213D72}" type="slidenum">
+            <a:fld id="{FBA8261B-2B41-402A-9F32-ED65FFFFF72B}" type="slidenum">
               <a:rPr b="0" lang="en-US" sz="1400" spc="-1" strike="noStrike">
                 <a:solidFill>
                   <a:srgbClr val="000000"/>
@@ -20884,7 +20911,7 @@
             <a:pPr indent="0" algn="r">
               <a:buNone/>
             </a:pPr>
-            <a:fld id="{23A891D2-812F-4B59-A7B6-D4D632849E71}" type="slidenum">
+            <a:fld id="{9995872C-629E-4E92-8C8F-AF601A33DF7C}" type="slidenum">
               <a:rPr b="0" lang="en-US" sz="1400" spc="-1" strike="noStrike">
                 <a:solidFill>
                   <a:srgbClr val="000000"/>
@@ -23903,7 +23930,7 @@
             <a:pPr indent="0" algn="r">
               <a:buNone/>
             </a:pPr>
-            <a:fld id="{C5FD8566-C2A2-4DB2-B9D9-5B12156863B9}" type="slidenum">
+            <a:fld id="{12D19452-9AFF-4B7E-83B5-B8D59D26C66E}" type="slidenum">
               <a:rPr b="0" lang="en-US" sz="1400" spc="-1" strike="noStrike">
                 <a:solidFill>
                   <a:srgbClr val="000000"/>
@@ -27531,7 +27558,7 @@
             <a:pPr indent="0" algn="r">
               <a:buNone/>
             </a:pPr>
-            <a:fld id="{06E11F86-D4D6-4D22-B0F3-43A593CBC10B}" type="slidenum">
+            <a:fld id="{C6F8A01A-2819-4A38-B034-0D8032476402}" type="slidenum">
               <a:rPr b="0" lang="en-US" sz="1400" spc="-1" strike="noStrike">
                 <a:solidFill>
                   <a:srgbClr val="000000"/>
@@ -33655,7 +33682,7 @@
             <a:pPr indent="0" algn="r">
               <a:buNone/>
             </a:pPr>
-            <a:fld id="{056D0EC9-5D69-4D7B-A575-B2EB9C334EB1}" type="slidenum">
+            <a:fld id="{014C9545-EE89-40C4-B5E5-B5434921D1F5}" type="slidenum">
               <a:rPr b="0" lang="en-US" sz="1400" spc="-1" strike="noStrike">
                 <a:solidFill>
                   <a:srgbClr val="000000"/>
@@ -38790,7 +38817,7 @@
             <a:pPr indent="0" algn="r">
               <a:buNone/>
             </a:pPr>
-            <a:fld id="{B09E7CB8-101A-4E00-A277-012483E2B65E}" type="slidenum">
+            <a:fld id="{B270E16D-351B-4D91-9A49-F7BC2E081ACD}" type="slidenum">
               <a:rPr b="0" lang="en-US" sz="1400" spc="-1" strike="noStrike">
                 <a:solidFill>
                   <a:srgbClr val="000000"/>
@@ -43420,7 +43447,7 @@
             <a:pPr indent="0" algn="r">
               <a:buNone/>
             </a:pPr>
-            <a:fld id="{EB58832C-04B2-45D9-B71A-F06DB3F590CB}" type="slidenum">
+            <a:fld id="{DD98CA37-3E67-4C49-ABA1-D1C4A74AD8FE}" type="slidenum">
               <a:rPr b="0" lang="en-US" sz="1400" spc="-1" strike="noStrike">
                 <a:solidFill>
                   <a:srgbClr val="000000"/>
@@ -49294,7 +49321,7 @@
                 </a:solidFill>
                 <a:latin typeface="Noto Sans"/>
               </a:rPr>
-              <a:t>Prototipe</a:t>
+              <a:t>Prototype</a:t>
             </a:r>
             <a:endParaRPr b="0" lang="en-US" sz="1800" spc="-1" strike="noStrike">
               <a:solidFill>
@@ -49419,90 +49446,6 @@
           </a:p>
         </p:txBody>
       </p:sp>
-      <p:sp>
-        <p:nvSpPr>
-          <p:cNvPr id="412" name=""/>
-          <p:cNvSpPr txBox="1"/>
-          <p:nvPr/>
-        </p:nvSpPr>
-        <p:spPr>
-          <a:xfrm>
-            <a:off x="1028160" y="1231920"/>
-            <a:ext cx="1803240" cy="322560"/>
-          </a:xfrm>
-          <a:prstGeom prst="rect">
-            <a:avLst/>
-          </a:prstGeom>
-          <a:noFill/>
-          <a:ln w="0">
-            <a:noFill/>
-          </a:ln>
-        </p:spPr>
-        <p:txBody>
-          <a:bodyPr lIns="0" rIns="0" tIns="0" bIns="0" anchor="ctr">
-            <a:noAutofit/>
-          </a:bodyPr>
-          <a:p>
-            <a:r>
-              <a:rPr b="0" lang="en-US" sz="1800" spc="-1" strike="noStrike">
-                <a:solidFill>
-                  <a:srgbClr val="666666"/>
-                </a:solidFill>
-                <a:latin typeface="Noto Sans"/>
-              </a:rPr>
-              <a:t>Prototipe</a:t>
-            </a:r>
-            <a:endParaRPr b="0" lang="en-US" sz="1800" spc="-1" strike="noStrike">
-              <a:solidFill>
-                <a:srgbClr val="000000"/>
-              </a:solidFill>
-              <a:latin typeface="Noto Sans"/>
-            </a:endParaRPr>
-          </a:p>
-        </p:txBody>
-      </p:sp>
-      <p:sp>
-        <p:nvSpPr>
-          <p:cNvPr id="413" name=""/>
-          <p:cNvSpPr txBox="1"/>
-          <p:nvPr/>
-        </p:nvSpPr>
-        <p:spPr>
-          <a:xfrm>
-            <a:off x="1028160" y="1231920"/>
-            <a:ext cx="1803240" cy="322560"/>
-          </a:xfrm>
-          <a:prstGeom prst="rect">
-            <a:avLst/>
-          </a:prstGeom>
-          <a:noFill/>
-          <a:ln w="0">
-            <a:noFill/>
-          </a:ln>
-        </p:spPr>
-        <p:txBody>
-          <a:bodyPr lIns="0" rIns="0" tIns="0" bIns="0" anchor="ctr">
-            <a:noAutofit/>
-          </a:bodyPr>
-          <a:p>
-            <a:r>
-              <a:rPr b="0" lang="en-US" sz="1800" spc="-1" strike="noStrike">
-                <a:solidFill>
-                  <a:srgbClr val="666666"/>
-                </a:solidFill>
-                <a:latin typeface="Noto Sans"/>
-              </a:rPr>
-              <a:t>Prototipe</a:t>
-            </a:r>
-            <a:endParaRPr b="0" lang="en-US" sz="1800" spc="-1" strike="noStrike">
-              <a:solidFill>
-                <a:srgbClr val="000000"/>
-              </a:solidFill>
-              <a:latin typeface="Noto Sans"/>
-            </a:endParaRPr>
-          </a:p>
-        </p:txBody>
-      </p:sp>
     </p:spTree>
   </p:cSld>
   <mc:AlternateContent>
@@ -49535,7 +49478,7 @@
       </p:grpSpPr>
       <p:sp>
         <p:nvSpPr>
-          <p:cNvPr id="414" name="PlaceHolder 1"/>
+          <p:cNvPr id="412" name="PlaceHolder 1"/>
           <p:cNvSpPr>
             <a:spLocks noGrp="1"/>
           </p:cNvSpPr>
